--- a/ppt 16-9/1193.公行婚礼.pptx
+++ b/ppt 16-9/1193.公行婚礼.pptx
@@ -5,7 +5,7 @@
     <p:sldMasterId id="2147483648" r:id="rId1"/>
   </p:sldMasterIdLst>
   <p:sldIdLst>
-    <p:sldId id="715" r:id="rId2"/>
+    <p:sldId id="717" r:id="rId2"/>
   </p:sldIdLst>
   <p:sldSz cx="12192000" cy="6858000"/>
   <p:notesSz cx="6858000" cy="9144000"/>
@@ -129,7 +129,7 @@
           <p:cNvPr id="2" name="标题 1">
             <a:extLst>
               <a:ext uri="{FF2B5EF4-FFF2-40B4-BE49-F238E27FC236}">
-                <a16:creationId xmlns:a16="http://schemas.microsoft.com/office/drawing/2014/main" id="{11229CF7-24AF-F54B-61A9-4CE83749D96F}"/>
+                <a16:creationId xmlns:a16="http://schemas.microsoft.com/office/drawing/2014/main" id="{5A7117A2-FA3B-7A66-6BB9-23E9D926ED1D}"/>
               </a:ext>
             </a:extLst>
           </p:cNvPr>
@@ -166,7 +166,7 @@
           <p:cNvPr id="3" name="副标题 2">
             <a:extLst>
               <a:ext uri="{FF2B5EF4-FFF2-40B4-BE49-F238E27FC236}">
-                <a16:creationId xmlns:a16="http://schemas.microsoft.com/office/drawing/2014/main" id="{B0B560BC-4A11-0937-D312-059246476841}"/>
+                <a16:creationId xmlns:a16="http://schemas.microsoft.com/office/drawing/2014/main" id="{4171D1A2-9F07-3CC4-2373-74019BA6ECAE}"/>
               </a:ext>
             </a:extLst>
           </p:cNvPr>
@@ -236,7 +236,7 @@
           <p:cNvPr id="4" name="日期占位符 3">
             <a:extLst>
               <a:ext uri="{FF2B5EF4-FFF2-40B4-BE49-F238E27FC236}">
-                <a16:creationId xmlns:a16="http://schemas.microsoft.com/office/drawing/2014/main" id="{56A08E18-691C-C3D7-D2B9-9FEDD16A7B79}"/>
+                <a16:creationId xmlns:a16="http://schemas.microsoft.com/office/drawing/2014/main" id="{D57EB94C-A5C4-FA31-3FFF-84C6C49E834A}"/>
               </a:ext>
             </a:extLst>
           </p:cNvPr>
@@ -252,7 +252,7 @@
           <a:bodyPr/>
           <a:lstStyle/>
           <a:p>
-            <a:fld id="{46F14F45-BF46-49D6-80F8-F15F871A4DA7}" type="datetimeFigureOut">
+            <a:fld id="{1A32B067-C9FA-461D-972B-795B7B24D4A4}" type="datetimeFigureOut">
               <a:rPr lang="zh-CN" altLang="en-US" smtClean="0"/>
               <a:t>2024/3/10</a:t>
             </a:fld>
@@ -265,7 +265,7 @@
           <p:cNvPr id="5" name="页脚占位符 4">
             <a:extLst>
               <a:ext uri="{FF2B5EF4-FFF2-40B4-BE49-F238E27FC236}">
-                <a16:creationId xmlns:a16="http://schemas.microsoft.com/office/drawing/2014/main" id="{2C6712B6-1028-0C3E-BD46-D40B6ECE57F8}"/>
+                <a16:creationId xmlns:a16="http://schemas.microsoft.com/office/drawing/2014/main" id="{F508BF75-01BF-DE67-96BD-9F36D9B2E3C1}"/>
               </a:ext>
             </a:extLst>
           </p:cNvPr>
@@ -290,7 +290,7 @@
           <p:cNvPr id="6" name="灯片编号占位符 5">
             <a:extLst>
               <a:ext uri="{FF2B5EF4-FFF2-40B4-BE49-F238E27FC236}">
-                <a16:creationId xmlns:a16="http://schemas.microsoft.com/office/drawing/2014/main" id="{E21F061F-49C1-F79A-48A6-943BA8D74F39}"/>
+                <a16:creationId xmlns:a16="http://schemas.microsoft.com/office/drawing/2014/main" id="{1A045DC6-00ED-709F-2ACD-6E5F95A39958}"/>
               </a:ext>
             </a:extLst>
           </p:cNvPr>
@@ -306,7 +306,7 @@
           <a:bodyPr/>
           <a:lstStyle/>
           <a:p>
-            <a:fld id="{E6F82046-664F-4495-93BE-C1BF62703C97}" type="slidenum">
+            <a:fld id="{489369FE-469B-408F-958A-5EF990300164}" type="slidenum">
               <a:rPr lang="zh-CN" altLang="en-US" smtClean="0"/>
               <a:t>‹#›</a:t>
             </a:fld>
@@ -317,7 +317,7 @@
     </p:spTree>
     <p:extLst>
       <p:ext uri="{BB962C8B-B14F-4D97-AF65-F5344CB8AC3E}">
-        <p14:creationId xmlns:p14="http://schemas.microsoft.com/office/powerpoint/2010/main" val="1889603491"/>
+        <p14:creationId xmlns:p14="http://schemas.microsoft.com/office/powerpoint/2010/main" val="4163300584"/>
       </p:ext>
     </p:extLst>
   </p:cSld>
@@ -349,7 +349,7 @@
           <p:cNvPr id="2" name="标题 1">
             <a:extLst>
               <a:ext uri="{FF2B5EF4-FFF2-40B4-BE49-F238E27FC236}">
-                <a16:creationId xmlns:a16="http://schemas.microsoft.com/office/drawing/2014/main" id="{591C2ED3-7B81-C0DC-0A82-F99AE6CF63AD}"/>
+                <a16:creationId xmlns:a16="http://schemas.microsoft.com/office/drawing/2014/main" id="{FCF471AB-3A99-226C-AB1E-9D06A3D7EB4C}"/>
               </a:ext>
             </a:extLst>
           </p:cNvPr>
@@ -377,7 +377,7 @@
           <p:cNvPr id="3" name="竖排文字占位符 2">
             <a:extLst>
               <a:ext uri="{FF2B5EF4-FFF2-40B4-BE49-F238E27FC236}">
-                <a16:creationId xmlns:a16="http://schemas.microsoft.com/office/drawing/2014/main" id="{B95E1C81-FC5B-87F3-4003-97F94E878B1C}"/>
+                <a16:creationId xmlns:a16="http://schemas.microsoft.com/office/drawing/2014/main" id="{401E04F1-0F1C-D297-012F-27A6798AD1C7}"/>
               </a:ext>
             </a:extLst>
           </p:cNvPr>
@@ -434,7 +434,7 @@
           <p:cNvPr id="4" name="日期占位符 3">
             <a:extLst>
               <a:ext uri="{FF2B5EF4-FFF2-40B4-BE49-F238E27FC236}">
-                <a16:creationId xmlns:a16="http://schemas.microsoft.com/office/drawing/2014/main" id="{733AE89B-4026-64BF-680A-A6AFF51CF076}"/>
+                <a16:creationId xmlns:a16="http://schemas.microsoft.com/office/drawing/2014/main" id="{AC8C9758-39D2-4503-1B18-011E39F3F736}"/>
               </a:ext>
             </a:extLst>
           </p:cNvPr>
@@ -450,7 +450,7 @@
           <a:bodyPr/>
           <a:lstStyle/>
           <a:p>
-            <a:fld id="{46F14F45-BF46-49D6-80F8-F15F871A4DA7}" type="datetimeFigureOut">
+            <a:fld id="{1A32B067-C9FA-461D-972B-795B7B24D4A4}" type="datetimeFigureOut">
               <a:rPr lang="zh-CN" altLang="en-US" smtClean="0"/>
               <a:t>2024/3/10</a:t>
             </a:fld>
@@ -463,7 +463,7 @@
           <p:cNvPr id="5" name="页脚占位符 4">
             <a:extLst>
               <a:ext uri="{FF2B5EF4-FFF2-40B4-BE49-F238E27FC236}">
-                <a16:creationId xmlns:a16="http://schemas.microsoft.com/office/drawing/2014/main" id="{DC55E7F9-4B19-31C6-023D-97E558AB00DA}"/>
+                <a16:creationId xmlns:a16="http://schemas.microsoft.com/office/drawing/2014/main" id="{8CBBFD89-E4FC-897A-55D4-EF988F4D0CF6}"/>
               </a:ext>
             </a:extLst>
           </p:cNvPr>
@@ -488,7 +488,7 @@
           <p:cNvPr id="6" name="灯片编号占位符 5">
             <a:extLst>
               <a:ext uri="{FF2B5EF4-FFF2-40B4-BE49-F238E27FC236}">
-                <a16:creationId xmlns:a16="http://schemas.microsoft.com/office/drawing/2014/main" id="{D3728637-BC61-7808-303C-448FB8C949F8}"/>
+                <a16:creationId xmlns:a16="http://schemas.microsoft.com/office/drawing/2014/main" id="{59939105-21ED-A5DF-7A21-3A5296B72801}"/>
               </a:ext>
             </a:extLst>
           </p:cNvPr>
@@ -504,7 +504,7 @@
           <a:bodyPr/>
           <a:lstStyle/>
           <a:p>
-            <a:fld id="{E6F82046-664F-4495-93BE-C1BF62703C97}" type="slidenum">
+            <a:fld id="{489369FE-469B-408F-958A-5EF990300164}" type="slidenum">
               <a:rPr lang="zh-CN" altLang="en-US" smtClean="0"/>
               <a:t>‹#›</a:t>
             </a:fld>
@@ -515,7 +515,7 @@
     </p:spTree>
     <p:extLst>
       <p:ext uri="{BB962C8B-B14F-4D97-AF65-F5344CB8AC3E}">
-        <p14:creationId xmlns:p14="http://schemas.microsoft.com/office/powerpoint/2010/main" val="2892944884"/>
+        <p14:creationId xmlns:p14="http://schemas.microsoft.com/office/powerpoint/2010/main" val="737823957"/>
       </p:ext>
     </p:extLst>
   </p:cSld>
@@ -547,7 +547,7 @@
           <p:cNvPr id="2" name="竖排标题 1">
             <a:extLst>
               <a:ext uri="{FF2B5EF4-FFF2-40B4-BE49-F238E27FC236}">
-                <a16:creationId xmlns:a16="http://schemas.microsoft.com/office/drawing/2014/main" id="{AD39984E-F1FE-76AF-B872-A31E19FFBAC0}"/>
+                <a16:creationId xmlns:a16="http://schemas.microsoft.com/office/drawing/2014/main" id="{31976A72-4954-6C3B-52CC-0FE46D22B2B8}"/>
               </a:ext>
             </a:extLst>
           </p:cNvPr>
@@ -580,7 +580,7 @@
           <p:cNvPr id="3" name="竖排文字占位符 2">
             <a:extLst>
               <a:ext uri="{FF2B5EF4-FFF2-40B4-BE49-F238E27FC236}">
-                <a16:creationId xmlns:a16="http://schemas.microsoft.com/office/drawing/2014/main" id="{8CCDF7B9-053F-63CD-092A-8DB972CF0ED8}"/>
+                <a16:creationId xmlns:a16="http://schemas.microsoft.com/office/drawing/2014/main" id="{7A34FE86-8585-EF48-B31B-EA979EBCBA68}"/>
               </a:ext>
             </a:extLst>
           </p:cNvPr>
@@ -642,7 +642,7 @@
           <p:cNvPr id="4" name="日期占位符 3">
             <a:extLst>
               <a:ext uri="{FF2B5EF4-FFF2-40B4-BE49-F238E27FC236}">
-                <a16:creationId xmlns:a16="http://schemas.microsoft.com/office/drawing/2014/main" id="{C2E4548F-BFA6-787A-FB14-3DBD95FFFF39}"/>
+                <a16:creationId xmlns:a16="http://schemas.microsoft.com/office/drawing/2014/main" id="{DEF5AB58-84FD-0741-5526-19D6E2ED768D}"/>
               </a:ext>
             </a:extLst>
           </p:cNvPr>
@@ -658,7 +658,7 @@
           <a:bodyPr/>
           <a:lstStyle/>
           <a:p>
-            <a:fld id="{46F14F45-BF46-49D6-80F8-F15F871A4DA7}" type="datetimeFigureOut">
+            <a:fld id="{1A32B067-C9FA-461D-972B-795B7B24D4A4}" type="datetimeFigureOut">
               <a:rPr lang="zh-CN" altLang="en-US" smtClean="0"/>
               <a:t>2024/3/10</a:t>
             </a:fld>
@@ -671,7 +671,7 @@
           <p:cNvPr id="5" name="页脚占位符 4">
             <a:extLst>
               <a:ext uri="{FF2B5EF4-FFF2-40B4-BE49-F238E27FC236}">
-                <a16:creationId xmlns:a16="http://schemas.microsoft.com/office/drawing/2014/main" id="{1153F6B2-8858-CA5D-80FE-3195D0F9E02E}"/>
+                <a16:creationId xmlns:a16="http://schemas.microsoft.com/office/drawing/2014/main" id="{083F8304-E9AB-0654-7598-0819A770455A}"/>
               </a:ext>
             </a:extLst>
           </p:cNvPr>
@@ -696,7 +696,7 @@
           <p:cNvPr id="6" name="灯片编号占位符 5">
             <a:extLst>
               <a:ext uri="{FF2B5EF4-FFF2-40B4-BE49-F238E27FC236}">
-                <a16:creationId xmlns:a16="http://schemas.microsoft.com/office/drawing/2014/main" id="{3FAA6793-CE57-2D9B-C002-F35F04F07746}"/>
+                <a16:creationId xmlns:a16="http://schemas.microsoft.com/office/drawing/2014/main" id="{1F05348A-45E5-F2BB-F4D3-53B6A69E3018}"/>
               </a:ext>
             </a:extLst>
           </p:cNvPr>
@@ -712,7 +712,7 @@
           <a:bodyPr/>
           <a:lstStyle/>
           <a:p>
-            <a:fld id="{E6F82046-664F-4495-93BE-C1BF62703C97}" type="slidenum">
+            <a:fld id="{489369FE-469B-408F-958A-5EF990300164}" type="slidenum">
               <a:rPr lang="zh-CN" altLang="en-US" smtClean="0"/>
               <a:t>‹#›</a:t>
             </a:fld>
@@ -723,7 +723,7 @@
     </p:spTree>
     <p:extLst>
       <p:ext uri="{BB962C8B-B14F-4D97-AF65-F5344CB8AC3E}">
-        <p14:creationId xmlns:p14="http://schemas.microsoft.com/office/powerpoint/2010/main" val="1537915192"/>
+        <p14:creationId xmlns:p14="http://schemas.microsoft.com/office/powerpoint/2010/main" val="4287490915"/>
       </p:ext>
     </p:extLst>
   </p:cSld>
@@ -755,7 +755,7 @@
           <p:cNvPr id="2" name="标题 1">
             <a:extLst>
               <a:ext uri="{FF2B5EF4-FFF2-40B4-BE49-F238E27FC236}">
-                <a16:creationId xmlns:a16="http://schemas.microsoft.com/office/drawing/2014/main" id="{42643A8F-3DDF-1B2A-636D-EE74F230FCC0}"/>
+                <a16:creationId xmlns:a16="http://schemas.microsoft.com/office/drawing/2014/main" id="{BCEC4D0D-AE5B-FA69-98B3-31F678D0B6EE}"/>
               </a:ext>
             </a:extLst>
           </p:cNvPr>
@@ -783,7 +783,7 @@
           <p:cNvPr id="3" name="内容占位符 2">
             <a:extLst>
               <a:ext uri="{FF2B5EF4-FFF2-40B4-BE49-F238E27FC236}">
-                <a16:creationId xmlns:a16="http://schemas.microsoft.com/office/drawing/2014/main" id="{B1A7AD5A-CD00-5F2F-7C99-91EDB7B25517}"/>
+                <a16:creationId xmlns:a16="http://schemas.microsoft.com/office/drawing/2014/main" id="{34AB5D75-7A61-BF7D-8799-DE7AE33F4B86}"/>
               </a:ext>
             </a:extLst>
           </p:cNvPr>
@@ -840,7 +840,7 @@
           <p:cNvPr id="4" name="日期占位符 3">
             <a:extLst>
               <a:ext uri="{FF2B5EF4-FFF2-40B4-BE49-F238E27FC236}">
-                <a16:creationId xmlns:a16="http://schemas.microsoft.com/office/drawing/2014/main" id="{0D2F74AF-89AA-EEB8-8B29-57F7E20BA8DD}"/>
+                <a16:creationId xmlns:a16="http://schemas.microsoft.com/office/drawing/2014/main" id="{D72693CD-4760-75B8-7971-CA3CBCCA754F}"/>
               </a:ext>
             </a:extLst>
           </p:cNvPr>
@@ -856,7 +856,7 @@
           <a:bodyPr/>
           <a:lstStyle/>
           <a:p>
-            <a:fld id="{46F14F45-BF46-49D6-80F8-F15F871A4DA7}" type="datetimeFigureOut">
+            <a:fld id="{1A32B067-C9FA-461D-972B-795B7B24D4A4}" type="datetimeFigureOut">
               <a:rPr lang="zh-CN" altLang="en-US" smtClean="0"/>
               <a:t>2024/3/10</a:t>
             </a:fld>
@@ -869,7 +869,7 @@
           <p:cNvPr id="5" name="页脚占位符 4">
             <a:extLst>
               <a:ext uri="{FF2B5EF4-FFF2-40B4-BE49-F238E27FC236}">
-                <a16:creationId xmlns:a16="http://schemas.microsoft.com/office/drawing/2014/main" id="{6C56E585-AFDE-1768-F7ED-216A6854E071}"/>
+                <a16:creationId xmlns:a16="http://schemas.microsoft.com/office/drawing/2014/main" id="{8B844A33-FE84-29AF-8D79-3D501FEB90D2}"/>
               </a:ext>
             </a:extLst>
           </p:cNvPr>
@@ -894,7 +894,7 @@
           <p:cNvPr id="6" name="灯片编号占位符 5">
             <a:extLst>
               <a:ext uri="{FF2B5EF4-FFF2-40B4-BE49-F238E27FC236}">
-                <a16:creationId xmlns:a16="http://schemas.microsoft.com/office/drawing/2014/main" id="{7D0924CD-C93E-8C30-820F-62678D4D3C00}"/>
+                <a16:creationId xmlns:a16="http://schemas.microsoft.com/office/drawing/2014/main" id="{23D19B28-ECDE-7351-2907-7D90054E06B5}"/>
               </a:ext>
             </a:extLst>
           </p:cNvPr>
@@ -910,7 +910,7 @@
           <a:bodyPr/>
           <a:lstStyle/>
           <a:p>
-            <a:fld id="{E6F82046-664F-4495-93BE-C1BF62703C97}" type="slidenum">
+            <a:fld id="{489369FE-469B-408F-958A-5EF990300164}" type="slidenum">
               <a:rPr lang="zh-CN" altLang="en-US" smtClean="0"/>
               <a:t>‹#›</a:t>
             </a:fld>
@@ -921,7 +921,7 @@
     </p:spTree>
     <p:extLst>
       <p:ext uri="{BB962C8B-B14F-4D97-AF65-F5344CB8AC3E}">
-        <p14:creationId xmlns:p14="http://schemas.microsoft.com/office/powerpoint/2010/main" val="3524246165"/>
+        <p14:creationId xmlns:p14="http://schemas.microsoft.com/office/powerpoint/2010/main" val="643991523"/>
       </p:ext>
     </p:extLst>
   </p:cSld>
@@ -953,7 +953,7 @@
           <p:cNvPr id="2" name="标题 1">
             <a:extLst>
               <a:ext uri="{FF2B5EF4-FFF2-40B4-BE49-F238E27FC236}">
-                <a16:creationId xmlns:a16="http://schemas.microsoft.com/office/drawing/2014/main" id="{B07A9363-6161-B318-F439-A740AC60B478}"/>
+                <a16:creationId xmlns:a16="http://schemas.microsoft.com/office/drawing/2014/main" id="{20EADF9C-FEA9-B8EF-8111-78D3C785DC0B}"/>
               </a:ext>
             </a:extLst>
           </p:cNvPr>
@@ -990,7 +990,7 @@
           <p:cNvPr id="3" name="文本占位符 2">
             <a:extLst>
               <a:ext uri="{FF2B5EF4-FFF2-40B4-BE49-F238E27FC236}">
-                <a16:creationId xmlns:a16="http://schemas.microsoft.com/office/drawing/2014/main" id="{5B8361DF-DA4C-9EF8-3201-A507BD945C29}"/>
+                <a16:creationId xmlns:a16="http://schemas.microsoft.com/office/drawing/2014/main" id="{CC930D27-1F5D-3EEB-72FE-E53D1507E46A}"/>
               </a:ext>
             </a:extLst>
           </p:cNvPr>
@@ -1115,7 +1115,7 @@
           <p:cNvPr id="4" name="日期占位符 3">
             <a:extLst>
               <a:ext uri="{FF2B5EF4-FFF2-40B4-BE49-F238E27FC236}">
-                <a16:creationId xmlns:a16="http://schemas.microsoft.com/office/drawing/2014/main" id="{38CAAF10-8437-F927-78F9-68838D343E13}"/>
+                <a16:creationId xmlns:a16="http://schemas.microsoft.com/office/drawing/2014/main" id="{E1F4928E-7E0B-44C4-18E1-43B4F273F95C}"/>
               </a:ext>
             </a:extLst>
           </p:cNvPr>
@@ -1131,7 +1131,7 @@
           <a:bodyPr/>
           <a:lstStyle/>
           <a:p>
-            <a:fld id="{46F14F45-BF46-49D6-80F8-F15F871A4DA7}" type="datetimeFigureOut">
+            <a:fld id="{1A32B067-C9FA-461D-972B-795B7B24D4A4}" type="datetimeFigureOut">
               <a:rPr lang="zh-CN" altLang="en-US" smtClean="0"/>
               <a:t>2024/3/10</a:t>
             </a:fld>
@@ -1144,7 +1144,7 @@
           <p:cNvPr id="5" name="页脚占位符 4">
             <a:extLst>
               <a:ext uri="{FF2B5EF4-FFF2-40B4-BE49-F238E27FC236}">
-                <a16:creationId xmlns:a16="http://schemas.microsoft.com/office/drawing/2014/main" id="{EAEF468D-CCEF-1F8E-3663-A9AB22B47C4B}"/>
+                <a16:creationId xmlns:a16="http://schemas.microsoft.com/office/drawing/2014/main" id="{E344D863-647C-E1B7-02D9-3E58A6537AA8}"/>
               </a:ext>
             </a:extLst>
           </p:cNvPr>
@@ -1169,7 +1169,7 @@
           <p:cNvPr id="6" name="灯片编号占位符 5">
             <a:extLst>
               <a:ext uri="{FF2B5EF4-FFF2-40B4-BE49-F238E27FC236}">
-                <a16:creationId xmlns:a16="http://schemas.microsoft.com/office/drawing/2014/main" id="{D72C0EA4-4934-C65E-8886-154EA7172A0B}"/>
+                <a16:creationId xmlns:a16="http://schemas.microsoft.com/office/drawing/2014/main" id="{B0AEA7FF-A191-6EA8-9203-7F3C109FBBE2}"/>
               </a:ext>
             </a:extLst>
           </p:cNvPr>
@@ -1185,7 +1185,7 @@
           <a:bodyPr/>
           <a:lstStyle/>
           <a:p>
-            <a:fld id="{E6F82046-664F-4495-93BE-C1BF62703C97}" type="slidenum">
+            <a:fld id="{489369FE-469B-408F-958A-5EF990300164}" type="slidenum">
               <a:rPr lang="zh-CN" altLang="en-US" smtClean="0"/>
               <a:t>‹#›</a:t>
             </a:fld>
@@ -1196,7 +1196,7 @@
     </p:spTree>
     <p:extLst>
       <p:ext uri="{BB962C8B-B14F-4D97-AF65-F5344CB8AC3E}">
-        <p14:creationId xmlns:p14="http://schemas.microsoft.com/office/powerpoint/2010/main" val="1724779296"/>
+        <p14:creationId xmlns:p14="http://schemas.microsoft.com/office/powerpoint/2010/main" val="3035703760"/>
       </p:ext>
     </p:extLst>
   </p:cSld>
@@ -1228,7 +1228,7 @@
           <p:cNvPr id="2" name="标题 1">
             <a:extLst>
               <a:ext uri="{FF2B5EF4-FFF2-40B4-BE49-F238E27FC236}">
-                <a16:creationId xmlns:a16="http://schemas.microsoft.com/office/drawing/2014/main" id="{6E8A18F3-0E28-9C18-3DE2-E7C194CC02D3}"/>
+                <a16:creationId xmlns:a16="http://schemas.microsoft.com/office/drawing/2014/main" id="{45083B54-1D3B-C816-B215-AE179771656E}"/>
               </a:ext>
             </a:extLst>
           </p:cNvPr>
@@ -1256,7 +1256,7 @@
           <p:cNvPr id="3" name="内容占位符 2">
             <a:extLst>
               <a:ext uri="{FF2B5EF4-FFF2-40B4-BE49-F238E27FC236}">
-                <a16:creationId xmlns:a16="http://schemas.microsoft.com/office/drawing/2014/main" id="{8CA3A232-B52B-D40A-C014-17D08D8AB51D}"/>
+                <a16:creationId xmlns:a16="http://schemas.microsoft.com/office/drawing/2014/main" id="{A8D92207-26BA-A1E3-072E-55F645E2697C}"/>
               </a:ext>
             </a:extLst>
           </p:cNvPr>
@@ -1318,7 +1318,7 @@
           <p:cNvPr id="4" name="内容占位符 3">
             <a:extLst>
               <a:ext uri="{FF2B5EF4-FFF2-40B4-BE49-F238E27FC236}">
-                <a16:creationId xmlns:a16="http://schemas.microsoft.com/office/drawing/2014/main" id="{623402F9-4A78-E3A9-65EC-13AD7AA8B7F5}"/>
+                <a16:creationId xmlns:a16="http://schemas.microsoft.com/office/drawing/2014/main" id="{10C69EA3-7CFF-42DE-32F3-F87CB11CA546}"/>
               </a:ext>
             </a:extLst>
           </p:cNvPr>
@@ -1380,7 +1380,7 @@
           <p:cNvPr id="5" name="日期占位符 4">
             <a:extLst>
               <a:ext uri="{FF2B5EF4-FFF2-40B4-BE49-F238E27FC236}">
-                <a16:creationId xmlns:a16="http://schemas.microsoft.com/office/drawing/2014/main" id="{68DCA44C-71C4-5503-C528-6A283BD2415F}"/>
+                <a16:creationId xmlns:a16="http://schemas.microsoft.com/office/drawing/2014/main" id="{AB629FBF-56A9-AA82-A40B-B28EAFD9915F}"/>
               </a:ext>
             </a:extLst>
           </p:cNvPr>
@@ -1396,7 +1396,7 @@
           <a:bodyPr/>
           <a:lstStyle/>
           <a:p>
-            <a:fld id="{46F14F45-BF46-49D6-80F8-F15F871A4DA7}" type="datetimeFigureOut">
+            <a:fld id="{1A32B067-C9FA-461D-972B-795B7B24D4A4}" type="datetimeFigureOut">
               <a:rPr lang="zh-CN" altLang="en-US" smtClean="0"/>
               <a:t>2024/3/10</a:t>
             </a:fld>
@@ -1409,7 +1409,7 @@
           <p:cNvPr id="6" name="页脚占位符 5">
             <a:extLst>
               <a:ext uri="{FF2B5EF4-FFF2-40B4-BE49-F238E27FC236}">
-                <a16:creationId xmlns:a16="http://schemas.microsoft.com/office/drawing/2014/main" id="{FC31E860-DEC2-2AC7-9F8E-29A164F00E57}"/>
+                <a16:creationId xmlns:a16="http://schemas.microsoft.com/office/drawing/2014/main" id="{FA69ABC2-5602-F688-7648-21CAF618C1DC}"/>
               </a:ext>
             </a:extLst>
           </p:cNvPr>
@@ -1434,7 +1434,7 @@
           <p:cNvPr id="7" name="灯片编号占位符 6">
             <a:extLst>
               <a:ext uri="{FF2B5EF4-FFF2-40B4-BE49-F238E27FC236}">
-                <a16:creationId xmlns:a16="http://schemas.microsoft.com/office/drawing/2014/main" id="{9EB6F756-81D4-DFD2-DF14-61C04C82601E}"/>
+                <a16:creationId xmlns:a16="http://schemas.microsoft.com/office/drawing/2014/main" id="{7FB773D6-D7DA-EBDC-7538-F1F3166564AB}"/>
               </a:ext>
             </a:extLst>
           </p:cNvPr>
@@ -1450,7 +1450,7 @@
           <a:bodyPr/>
           <a:lstStyle/>
           <a:p>
-            <a:fld id="{E6F82046-664F-4495-93BE-C1BF62703C97}" type="slidenum">
+            <a:fld id="{489369FE-469B-408F-958A-5EF990300164}" type="slidenum">
               <a:rPr lang="zh-CN" altLang="en-US" smtClean="0"/>
               <a:t>‹#›</a:t>
             </a:fld>
@@ -1461,7 +1461,7 @@
     </p:spTree>
     <p:extLst>
       <p:ext uri="{BB962C8B-B14F-4D97-AF65-F5344CB8AC3E}">
-        <p14:creationId xmlns:p14="http://schemas.microsoft.com/office/powerpoint/2010/main" val="2169965654"/>
+        <p14:creationId xmlns:p14="http://schemas.microsoft.com/office/powerpoint/2010/main" val="3790378244"/>
       </p:ext>
     </p:extLst>
   </p:cSld>
@@ -1493,7 +1493,7 @@
           <p:cNvPr id="2" name="标题 1">
             <a:extLst>
               <a:ext uri="{FF2B5EF4-FFF2-40B4-BE49-F238E27FC236}">
-                <a16:creationId xmlns:a16="http://schemas.microsoft.com/office/drawing/2014/main" id="{295C047D-FECC-E381-EF37-35757BB91C26}"/>
+                <a16:creationId xmlns:a16="http://schemas.microsoft.com/office/drawing/2014/main" id="{8DBF2493-8C96-8810-AA49-22061185C4D8}"/>
               </a:ext>
             </a:extLst>
           </p:cNvPr>
@@ -1526,7 +1526,7 @@
           <p:cNvPr id="3" name="文本占位符 2">
             <a:extLst>
               <a:ext uri="{FF2B5EF4-FFF2-40B4-BE49-F238E27FC236}">
-                <a16:creationId xmlns:a16="http://schemas.microsoft.com/office/drawing/2014/main" id="{EF99FD6D-7E5E-2FD7-B7CE-F1E2D79EF6A2}"/>
+                <a16:creationId xmlns:a16="http://schemas.microsoft.com/office/drawing/2014/main" id="{A340D2BD-5C1D-DD72-8C88-EEC0A665BE2B}"/>
               </a:ext>
             </a:extLst>
           </p:cNvPr>
@@ -1597,7 +1597,7 @@
           <p:cNvPr id="4" name="内容占位符 3">
             <a:extLst>
               <a:ext uri="{FF2B5EF4-FFF2-40B4-BE49-F238E27FC236}">
-                <a16:creationId xmlns:a16="http://schemas.microsoft.com/office/drawing/2014/main" id="{CDD96C18-0D66-061E-8412-92BFB89BAEA1}"/>
+                <a16:creationId xmlns:a16="http://schemas.microsoft.com/office/drawing/2014/main" id="{7727F1E1-16BE-F10A-CA4A-266337B8349B}"/>
               </a:ext>
             </a:extLst>
           </p:cNvPr>
@@ -1659,7 +1659,7 @@
           <p:cNvPr id="5" name="文本占位符 4">
             <a:extLst>
               <a:ext uri="{FF2B5EF4-FFF2-40B4-BE49-F238E27FC236}">
-                <a16:creationId xmlns:a16="http://schemas.microsoft.com/office/drawing/2014/main" id="{8AD4FDC9-037A-310D-07A9-1934E5A1A748}"/>
+                <a16:creationId xmlns:a16="http://schemas.microsoft.com/office/drawing/2014/main" id="{34822AC3-0B43-4B1B-EFC5-BBB5E782C0CE}"/>
               </a:ext>
             </a:extLst>
           </p:cNvPr>
@@ -1730,7 +1730,7 @@
           <p:cNvPr id="6" name="内容占位符 5">
             <a:extLst>
               <a:ext uri="{FF2B5EF4-FFF2-40B4-BE49-F238E27FC236}">
-                <a16:creationId xmlns:a16="http://schemas.microsoft.com/office/drawing/2014/main" id="{AA34F3F6-22FC-87DC-F486-652F55B14D03}"/>
+                <a16:creationId xmlns:a16="http://schemas.microsoft.com/office/drawing/2014/main" id="{B6A16BDC-81B5-C5A3-529E-F6C6D25C47DD}"/>
               </a:ext>
             </a:extLst>
           </p:cNvPr>
@@ -1792,7 +1792,7 @@
           <p:cNvPr id="7" name="日期占位符 6">
             <a:extLst>
               <a:ext uri="{FF2B5EF4-FFF2-40B4-BE49-F238E27FC236}">
-                <a16:creationId xmlns:a16="http://schemas.microsoft.com/office/drawing/2014/main" id="{E281B1E8-EE2D-B49A-EAD1-CC31C4B41B98}"/>
+                <a16:creationId xmlns:a16="http://schemas.microsoft.com/office/drawing/2014/main" id="{AD3C0C3B-6D10-D3E5-DD13-B45A3DC0B896}"/>
               </a:ext>
             </a:extLst>
           </p:cNvPr>
@@ -1808,7 +1808,7 @@
           <a:bodyPr/>
           <a:lstStyle/>
           <a:p>
-            <a:fld id="{46F14F45-BF46-49D6-80F8-F15F871A4DA7}" type="datetimeFigureOut">
+            <a:fld id="{1A32B067-C9FA-461D-972B-795B7B24D4A4}" type="datetimeFigureOut">
               <a:rPr lang="zh-CN" altLang="en-US" smtClean="0"/>
               <a:t>2024/3/10</a:t>
             </a:fld>
@@ -1821,7 +1821,7 @@
           <p:cNvPr id="8" name="页脚占位符 7">
             <a:extLst>
               <a:ext uri="{FF2B5EF4-FFF2-40B4-BE49-F238E27FC236}">
-                <a16:creationId xmlns:a16="http://schemas.microsoft.com/office/drawing/2014/main" id="{7C93C9BF-77DC-07A5-BCCD-D109C1F2D346}"/>
+                <a16:creationId xmlns:a16="http://schemas.microsoft.com/office/drawing/2014/main" id="{B6DE57E9-CCE2-D5AE-7DB7-5EE3C56283FB}"/>
               </a:ext>
             </a:extLst>
           </p:cNvPr>
@@ -1846,7 +1846,7 @@
           <p:cNvPr id="9" name="灯片编号占位符 8">
             <a:extLst>
               <a:ext uri="{FF2B5EF4-FFF2-40B4-BE49-F238E27FC236}">
-                <a16:creationId xmlns:a16="http://schemas.microsoft.com/office/drawing/2014/main" id="{8A34286E-7DE1-F89D-02FE-8E6ED76698D6}"/>
+                <a16:creationId xmlns:a16="http://schemas.microsoft.com/office/drawing/2014/main" id="{73CA9081-512A-2553-069B-245A0F6B3A8F}"/>
               </a:ext>
             </a:extLst>
           </p:cNvPr>
@@ -1862,7 +1862,7 @@
           <a:bodyPr/>
           <a:lstStyle/>
           <a:p>
-            <a:fld id="{E6F82046-664F-4495-93BE-C1BF62703C97}" type="slidenum">
+            <a:fld id="{489369FE-469B-408F-958A-5EF990300164}" type="slidenum">
               <a:rPr lang="zh-CN" altLang="en-US" smtClean="0"/>
               <a:t>‹#›</a:t>
             </a:fld>
@@ -1873,7 +1873,7 @@
     </p:spTree>
     <p:extLst>
       <p:ext uri="{BB962C8B-B14F-4D97-AF65-F5344CB8AC3E}">
-        <p14:creationId xmlns:p14="http://schemas.microsoft.com/office/powerpoint/2010/main" val="396891240"/>
+        <p14:creationId xmlns:p14="http://schemas.microsoft.com/office/powerpoint/2010/main" val="1731027159"/>
       </p:ext>
     </p:extLst>
   </p:cSld>
@@ -1905,7 +1905,7 @@
           <p:cNvPr id="2" name="标题 1">
             <a:extLst>
               <a:ext uri="{FF2B5EF4-FFF2-40B4-BE49-F238E27FC236}">
-                <a16:creationId xmlns:a16="http://schemas.microsoft.com/office/drawing/2014/main" id="{41C7F4EC-11FA-772E-6D5D-AF04BD9D33D2}"/>
+                <a16:creationId xmlns:a16="http://schemas.microsoft.com/office/drawing/2014/main" id="{CAFD2F2C-70FF-911E-8764-1DB9B290DE34}"/>
               </a:ext>
             </a:extLst>
           </p:cNvPr>
@@ -1933,7 +1933,7 @@
           <p:cNvPr id="3" name="日期占位符 2">
             <a:extLst>
               <a:ext uri="{FF2B5EF4-FFF2-40B4-BE49-F238E27FC236}">
-                <a16:creationId xmlns:a16="http://schemas.microsoft.com/office/drawing/2014/main" id="{9CCBED20-CB1F-09AE-A3E1-A8B7E7C43615}"/>
+                <a16:creationId xmlns:a16="http://schemas.microsoft.com/office/drawing/2014/main" id="{A1548B58-9F7B-6C73-73CF-4C2B9D2C85CA}"/>
               </a:ext>
             </a:extLst>
           </p:cNvPr>
@@ -1949,7 +1949,7 @@
           <a:bodyPr/>
           <a:lstStyle/>
           <a:p>
-            <a:fld id="{46F14F45-BF46-49D6-80F8-F15F871A4DA7}" type="datetimeFigureOut">
+            <a:fld id="{1A32B067-C9FA-461D-972B-795B7B24D4A4}" type="datetimeFigureOut">
               <a:rPr lang="zh-CN" altLang="en-US" smtClean="0"/>
               <a:t>2024/3/10</a:t>
             </a:fld>
@@ -1962,7 +1962,7 @@
           <p:cNvPr id="4" name="页脚占位符 3">
             <a:extLst>
               <a:ext uri="{FF2B5EF4-FFF2-40B4-BE49-F238E27FC236}">
-                <a16:creationId xmlns:a16="http://schemas.microsoft.com/office/drawing/2014/main" id="{79E9EAD1-9CF9-C42A-C62C-76E22125758F}"/>
+                <a16:creationId xmlns:a16="http://schemas.microsoft.com/office/drawing/2014/main" id="{40D7B324-BBBA-57AD-711E-11678F985E6D}"/>
               </a:ext>
             </a:extLst>
           </p:cNvPr>
@@ -1987,7 +1987,7 @@
           <p:cNvPr id="5" name="灯片编号占位符 4">
             <a:extLst>
               <a:ext uri="{FF2B5EF4-FFF2-40B4-BE49-F238E27FC236}">
-                <a16:creationId xmlns:a16="http://schemas.microsoft.com/office/drawing/2014/main" id="{DA886A9D-231D-38C0-8FB3-09985E1584B9}"/>
+                <a16:creationId xmlns:a16="http://schemas.microsoft.com/office/drawing/2014/main" id="{BFD24E22-AE2F-270A-4C19-DEF2FC98C387}"/>
               </a:ext>
             </a:extLst>
           </p:cNvPr>
@@ -2003,7 +2003,7 @@
           <a:bodyPr/>
           <a:lstStyle/>
           <a:p>
-            <a:fld id="{E6F82046-664F-4495-93BE-C1BF62703C97}" type="slidenum">
+            <a:fld id="{489369FE-469B-408F-958A-5EF990300164}" type="slidenum">
               <a:rPr lang="zh-CN" altLang="en-US" smtClean="0"/>
               <a:t>‹#›</a:t>
             </a:fld>
@@ -2014,7 +2014,7 @@
     </p:spTree>
     <p:extLst>
       <p:ext uri="{BB962C8B-B14F-4D97-AF65-F5344CB8AC3E}">
-        <p14:creationId xmlns:p14="http://schemas.microsoft.com/office/powerpoint/2010/main" val="4038655447"/>
+        <p14:creationId xmlns:p14="http://schemas.microsoft.com/office/powerpoint/2010/main" val="442013075"/>
       </p:ext>
     </p:extLst>
   </p:cSld>
@@ -2046,7 +2046,7 @@
           <p:cNvPr id="2" name="日期占位符 1">
             <a:extLst>
               <a:ext uri="{FF2B5EF4-FFF2-40B4-BE49-F238E27FC236}">
-                <a16:creationId xmlns:a16="http://schemas.microsoft.com/office/drawing/2014/main" id="{1739A977-B82A-AEB8-7921-41FD86CA9E5B}"/>
+                <a16:creationId xmlns:a16="http://schemas.microsoft.com/office/drawing/2014/main" id="{EDA7C5B4-F711-054A-69B1-D83918D50C46}"/>
               </a:ext>
             </a:extLst>
           </p:cNvPr>
@@ -2062,7 +2062,7 @@
           <a:bodyPr/>
           <a:lstStyle/>
           <a:p>
-            <a:fld id="{46F14F45-BF46-49D6-80F8-F15F871A4DA7}" type="datetimeFigureOut">
+            <a:fld id="{1A32B067-C9FA-461D-972B-795B7B24D4A4}" type="datetimeFigureOut">
               <a:rPr lang="zh-CN" altLang="en-US" smtClean="0"/>
               <a:t>2024/3/10</a:t>
             </a:fld>
@@ -2075,7 +2075,7 @@
           <p:cNvPr id="3" name="页脚占位符 2">
             <a:extLst>
               <a:ext uri="{FF2B5EF4-FFF2-40B4-BE49-F238E27FC236}">
-                <a16:creationId xmlns:a16="http://schemas.microsoft.com/office/drawing/2014/main" id="{3C0BBD91-CDB3-D2ED-BED7-DDAEE2430CF7}"/>
+                <a16:creationId xmlns:a16="http://schemas.microsoft.com/office/drawing/2014/main" id="{8F8B6418-1817-6C1B-6F32-9ECCA085D225}"/>
               </a:ext>
             </a:extLst>
           </p:cNvPr>
@@ -2100,7 +2100,7 @@
           <p:cNvPr id="4" name="灯片编号占位符 3">
             <a:extLst>
               <a:ext uri="{FF2B5EF4-FFF2-40B4-BE49-F238E27FC236}">
-                <a16:creationId xmlns:a16="http://schemas.microsoft.com/office/drawing/2014/main" id="{85E0FAE5-4BE6-86D8-79BF-D5D24DA366C5}"/>
+                <a16:creationId xmlns:a16="http://schemas.microsoft.com/office/drawing/2014/main" id="{D0F5066E-11D5-885F-F298-0FA05C109E2E}"/>
               </a:ext>
             </a:extLst>
           </p:cNvPr>
@@ -2116,7 +2116,7 @@
           <a:bodyPr/>
           <a:lstStyle/>
           <a:p>
-            <a:fld id="{E6F82046-664F-4495-93BE-C1BF62703C97}" type="slidenum">
+            <a:fld id="{489369FE-469B-408F-958A-5EF990300164}" type="slidenum">
               <a:rPr lang="zh-CN" altLang="en-US" smtClean="0"/>
               <a:t>‹#›</a:t>
             </a:fld>
@@ -2127,7 +2127,7 @@
     </p:spTree>
     <p:extLst>
       <p:ext uri="{BB962C8B-B14F-4D97-AF65-F5344CB8AC3E}">
-        <p14:creationId xmlns:p14="http://schemas.microsoft.com/office/powerpoint/2010/main" val="375923563"/>
+        <p14:creationId xmlns:p14="http://schemas.microsoft.com/office/powerpoint/2010/main" val="256028284"/>
       </p:ext>
     </p:extLst>
   </p:cSld>
@@ -2159,7 +2159,7 @@
           <p:cNvPr id="2" name="标题 1">
             <a:extLst>
               <a:ext uri="{FF2B5EF4-FFF2-40B4-BE49-F238E27FC236}">
-                <a16:creationId xmlns:a16="http://schemas.microsoft.com/office/drawing/2014/main" id="{E25A16F1-6EF1-137B-3CFF-B55306C613D5}"/>
+                <a16:creationId xmlns:a16="http://schemas.microsoft.com/office/drawing/2014/main" id="{9F2D148C-0339-07E8-E066-4BD4BF5FBF53}"/>
               </a:ext>
             </a:extLst>
           </p:cNvPr>
@@ -2196,7 +2196,7 @@
           <p:cNvPr id="3" name="内容占位符 2">
             <a:extLst>
               <a:ext uri="{FF2B5EF4-FFF2-40B4-BE49-F238E27FC236}">
-                <a16:creationId xmlns:a16="http://schemas.microsoft.com/office/drawing/2014/main" id="{0AA37E70-E4F5-6999-DA74-34ADD3FA9890}"/>
+                <a16:creationId xmlns:a16="http://schemas.microsoft.com/office/drawing/2014/main" id="{5DECCBE3-C964-9B81-17F4-7A9870EBE82A}"/>
               </a:ext>
             </a:extLst>
           </p:cNvPr>
@@ -2286,7 +2286,7 @@
           <p:cNvPr id="4" name="文本占位符 3">
             <a:extLst>
               <a:ext uri="{FF2B5EF4-FFF2-40B4-BE49-F238E27FC236}">
-                <a16:creationId xmlns:a16="http://schemas.microsoft.com/office/drawing/2014/main" id="{C1C3816A-7D28-0F17-4AFE-CF5CC88C2292}"/>
+                <a16:creationId xmlns:a16="http://schemas.microsoft.com/office/drawing/2014/main" id="{A3451B4C-6CE6-8F4A-CFA5-D290826B2A04}"/>
               </a:ext>
             </a:extLst>
           </p:cNvPr>
@@ -2357,7 +2357,7 @@
           <p:cNvPr id="5" name="日期占位符 4">
             <a:extLst>
               <a:ext uri="{FF2B5EF4-FFF2-40B4-BE49-F238E27FC236}">
-                <a16:creationId xmlns:a16="http://schemas.microsoft.com/office/drawing/2014/main" id="{F4D18FAE-5970-0CB8-73D9-D3B0C3C32974}"/>
+                <a16:creationId xmlns:a16="http://schemas.microsoft.com/office/drawing/2014/main" id="{81FE4E27-E93A-F39E-8740-8ABAF7E432D9}"/>
               </a:ext>
             </a:extLst>
           </p:cNvPr>
@@ -2373,7 +2373,7 @@
           <a:bodyPr/>
           <a:lstStyle/>
           <a:p>
-            <a:fld id="{46F14F45-BF46-49D6-80F8-F15F871A4DA7}" type="datetimeFigureOut">
+            <a:fld id="{1A32B067-C9FA-461D-972B-795B7B24D4A4}" type="datetimeFigureOut">
               <a:rPr lang="zh-CN" altLang="en-US" smtClean="0"/>
               <a:t>2024/3/10</a:t>
             </a:fld>
@@ -2386,7 +2386,7 @@
           <p:cNvPr id="6" name="页脚占位符 5">
             <a:extLst>
               <a:ext uri="{FF2B5EF4-FFF2-40B4-BE49-F238E27FC236}">
-                <a16:creationId xmlns:a16="http://schemas.microsoft.com/office/drawing/2014/main" id="{2C7EFF46-8218-6E17-B668-9F8A5C9987AE}"/>
+                <a16:creationId xmlns:a16="http://schemas.microsoft.com/office/drawing/2014/main" id="{333F015C-34FE-215A-DFD8-35FCDA1F40BF}"/>
               </a:ext>
             </a:extLst>
           </p:cNvPr>
@@ -2411,7 +2411,7 @@
           <p:cNvPr id="7" name="灯片编号占位符 6">
             <a:extLst>
               <a:ext uri="{FF2B5EF4-FFF2-40B4-BE49-F238E27FC236}">
-                <a16:creationId xmlns:a16="http://schemas.microsoft.com/office/drawing/2014/main" id="{52504A21-FB48-2DBD-9E38-91E437609434}"/>
+                <a16:creationId xmlns:a16="http://schemas.microsoft.com/office/drawing/2014/main" id="{DA20BD6B-06C0-41C4-8608-75F5E9845F6E}"/>
               </a:ext>
             </a:extLst>
           </p:cNvPr>
@@ -2427,7 +2427,7 @@
           <a:bodyPr/>
           <a:lstStyle/>
           <a:p>
-            <a:fld id="{E6F82046-664F-4495-93BE-C1BF62703C97}" type="slidenum">
+            <a:fld id="{489369FE-469B-408F-958A-5EF990300164}" type="slidenum">
               <a:rPr lang="zh-CN" altLang="en-US" smtClean="0"/>
               <a:t>‹#›</a:t>
             </a:fld>
@@ -2438,7 +2438,7 @@
     </p:spTree>
     <p:extLst>
       <p:ext uri="{BB962C8B-B14F-4D97-AF65-F5344CB8AC3E}">
-        <p14:creationId xmlns:p14="http://schemas.microsoft.com/office/powerpoint/2010/main" val="2655807257"/>
+        <p14:creationId xmlns:p14="http://schemas.microsoft.com/office/powerpoint/2010/main" val="485341384"/>
       </p:ext>
     </p:extLst>
   </p:cSld>
@@ -2470,7 +2470,7 @@
           <p:cNvPr id="2" name="标题 1">
             <a:extLst>
               <a:ext uri="{FF2B5EF4-FFF2-40B4-BE49-F238E27FC236}">
-                <a16:creationId xmlns:a16="http://schemas.microsoft.com/office/drawing/2014/main" id="{1FAB2C5F-C044-07CF-40A7-4F5BA7DF2009}"/>
+                <a16:creationId xmlns:a16="http://schemas.microsoft.com/office/drawing/2014/main" id="{EB8AE150-86EF-2CE1-8401-82337D640DE4}"/>
               </a:ext>
             </a:extLst>
           </p:cNvPr>
@@ -2507,7 +2507,7 @@
           <p:cNvPr id="3" name="图片占位符 2">
             <a:extLst>
               <a:ext uri="{FF2B5EF4-FFF2-40B4-BE49-F238E27FC236}">
-                <a16:creationId xmlns:a16="http://schemas.microsoft.com/office/drawing/2014/main" id="{3C24557E-3D0C-1732-34D2-98E306339B10}"/>
+                <a16:creationId xmlns:a16="http://schemas.microsoft.com/office/drawing/2014/main" id="{B0825D83-6CE3-A1E8-1437-DC6FED858A46}"/>
               </a:ext>
             </a:extLst>
           </p:cNvPr>
@@ -2574,7 +2574,7 @@
           <p:cNvPr id="4" name="文本占位符 3">
             <a:extLst>
               <a:ext uri="{FF2B5EF4-FFF2-40B4-BE49-F238E27FC236}">
-                <a16:creationId xmlns:a16="http://schemas.microsoft.com/office/drawing/2014/main" id="{DDF00524-2A14-DE08-A80F-6DF5AB12EF37}"/>
+                <a16:creationId xmlns:a16="http://schemas.microsoft.com/office/drawing/2014/main" id="{38E8AE0A-627D-A616-5908-7BC3DD490A1E}"/>
               </a:ext>
             </a:extLst>
           </p:cNvPr>
@@ -2645,7 +2645,7 @@
           <p:cNvPr id="5" name="日期占位符 4">
             <a:extLst>
               <a:ext uri="{FF2B5EF4-FFF2-40B4-BE49-F238E27FC236}">
-                <a16:creationId xmlns:a16="http://schemas.microsoft.com/office/drawing/2014/main" id="{C12CD467-B35C-6CF3-B115-F8E14527296A}"/>
+                <a16:creationId xmlns:a16="http://schemas.microsoft.com/office/drawing/2014/main" id="{9DBA083D-C830-6D63-A032-D8C7AC6A9C4B}"/>
               </a:ext>
             </a:extLst>
           </p:cNvPr>
@@ -2661,7 +2661,7 @@
           <a:bodyPr/>
           <a:lstStyle/>
           <a:p>
-            <a:fld id="{46F14F45-BF46-49D6-80F8-F15F871A4DA7}" type="datetimeFigureOut">
+            <a:fld id="{1A32B067-C9FA-461D-972B-795B7B24D4A4}" type="datetimeFigureOut">
               <a:rPr lang="zh-CN" altLang="en-US" smtClean="0"/>
               <a:t>2024/3/10</a:t>
             </a:fld>
@@ -2674,7 +2674,7 @@
           <p:cNvPr id="6" name="页脚占位符 5">
             <a:extLst>
               <a:ext uri="{FF2B5EF4-FFF2-40B4-BE49-F238E27FC236}">
-                <a16:creationId xmlns:a16="http://schemas.microsoft.com/office/drawing/2014/main" id="{474D5121-6F17-67AB-E53A-B79356871C2A}"/>
+                <a16:creationId xmlns:a16="http://schemas.microsoft.com/office/drawing/2014/main" id="{14C12FB7-1F1C-62C0-D3B7-C8982EB7A172}"/>
               </a:ext>
             </a:extLst>
           </p:cNvPr>
@@ -2699,7 +2699,7 @@
           <p:cNvPr id="7" name="灯片编号占位符 6">
             <a:extLst>
               <a:ext uri="{FF2B5EF4-FFF2-40B4-BE49-F238E27FC236}">
-                <a16:creationId xmlns:a16="http://schemas.microsoft.com/office/drawing/2014/main" id="{42E89D8A-8F2C-D108-A164-4935E866866A}"/>
+                <a16:creationId xmlns:a16="http://schemas.microsoft.com/office/drawing/2014/main" id="{03DA7276-4621-7570-3781-D25198C559EE}"/>
               </a:ext>
             </a:extLst>
           </p:cNvPr>
@@ -2715,7 +2715,7 @@
           <a:bodyPr/>
           <a:lstStyle/>
           <a:p>
-            <a:fld id="{E6F82046-664F-4495-93BE-C1BF62703C97}" type="slidenum">
+            <a:fld id="{489369FE-469B-408F-958A-5EF990300164}" type="slidenum">
               <a:rPr lang="zh-CN" altLang="en-US" smtClean="0"/>
               <a:t>‹#›</a:t>
             </a:fld>
@@ -2726,7 +2726,7 @@
     </p:spTree>
     <p:extLst>
       <p:ext uri="{BB962C8B-B14F-4D97-AF65-F5344CB8AC3E}">
-        <p14:creationId xmlns:p14="http://schemas.microsoft.com/office/powerpoint/2010/main" val="2764515532"/>
+        <p14:creationId xmlns:p14="http://schemas.microsoft.com/office/powerpoint/2010/main" val="2444396827"/>
       </p:ext>
     </p:extLst>
   </p:cSld>
@@ -2763,7 +2763,7 @@
           <p:cNvPr id="2" name="标题占位符 1">
             <a:extLst>
               <a:ext uri="{FF2B5EF4-FFF2-40B4-BE49-F238E27FC236}">
-                <a16:creationId xmlns:a16="http://schemas.microsoft.com/office/drawing/2014/main" id="{E8BAB175-ACF2-3642-DD6B-DD4C669F8BFE}"/>
+                <a16:creationId xmlns:a16="http://schemas.microsoft.com/office/drawing/2014/main" id="{288CEEF2-8B85-F907-1713-ACE2F382B3CA}"/>
               </a:ext>
             </a:extLst>
           </p:cNvPr>
@@ -2801,7 +2801,7 @@
           <p:cNvPr id="3" name="文本占位符 2">
             <a:extLst>
               <a:ext uri="{FF2B5EF4-FFF2-40B4-BE49-F238E27FC236}">
-                <a16:creationId xmlns:a16="http://schemas.microsoft.com/office/drawing/2014/main" id="{D6170028-C437-F82A-8E62-274F96466DC8}"/>
+                <a16:creationId xmlns:a16="http://schemas.microsoft.com/office/drawing/2014/main" id="{04AB6929-E92B-2FD5-5CD5-BBEEBDEF2032}"/>
               </a:ext>
             </a:extLst>
           </p:cNvPr>
@@ -2868,7 +2868,7 @@
           <p:cNvPr id="4" name="日期占位符 3">
             <a:extLst>
               <a:ext uri="{FF2B5EF4-FFF2-40B4-BE49-F238E27FC236}">
-                <a16:creationId xmlns:a16="http://schemas.microsoft.com/office/drawing/2014/main" id="{6CACF5B7-1989-5446-A189-6F94219E3D6E}"/>
+                <a16:creationId xmlns:a16="http://schemas.microsoft.com/office/drawing/2014/main" id="{BF09181B-E8A8-C3AC-37CB-DD6917198F8C}"/>
               </a:ext>
             </a:extLst>
           </p:cNvPr>
@@ -2902,7 +2902,7 @@
             </a:lvl1pPr>
           </a:lstStyle>
           <a:p>
-            <a:fld id="{46F14F45-BF46-49D6-80F8-F15F871A4DA7}" type="datetimeFigureOut">
+            <a:fld id="{1A32B067-C9FA-461D-972B-795B7B24D4A4}" type="datetimeFigureOut">
               <a:rPr lang="zh-CN" altLang="en-US" smtClean="0"/>
               <a:t>2024/3/10</a:t>
             </a:fld>
@@ -2915,7 +2915,7 @@
           <p:cNvPr id="5" name="页脚占位符 4">
             <a:extLst>
               <a:ext uri="{FF2B5EF4-FFF2-40B4-BE49-F238E27FC236}">
-                <a16:creationId xmlns:a16="http://schemas.microsoft.com/office/drawing/2014/main" id="{D9C19595-4745-D1F4-41A6-47AA4350556F}"/>
+                <a16:creationId xmlns:a16="http://schemas.microsoft.com/office/drawing/2014/main" id="{8CA9370D-A84F-6DF2-E4E3-BD40B923182D}"/>
               </a:ext>
             </a:extLst>
           </p:cNvPr>
@@ -2958,7 +2958,7 @@
           <p:cNvPr id="6" name="灯片编号占位符 5">
             <a:extLst>
               <a:ext uri="{FF2B5EF4-FFF2-40B4-BE49-F238E27FC236}">
-                <a16:creationId xmlns:a16="http://schemas.microsoft.com/office/drawing/2014/main" id="{C32C5C3C-8686-8601-D2B8-3D23C8FA60E5}"/>
+                <a16:creationId xmlns:a16="http://schemas.microsoft.com/office/drawing/2014/main" id="{45F22BDD-D7F6-412F-2879-7EF03965BACB}"/>
               </a:ext>
             </a:extLst>
           </p:cNvPr>
@@ -2992,7 +2992,7 @@
             </a:lvl1pPr>
           </a:lstStyle>
           <a:p>
-            <a:fld id="{E6F82046-664F-4495-93BE-C1BF62703C97}" type="slidenum">
+            <a:fld id="{489369FE-469B-408F-958A-5EF990300164}" type="slidenum">
               <a:rPr lang="zh-CN" altLang="en-US" smtClean="0"/>
               <a:t>‹#›</a:t>
             </a:fld>
@@ -3003,7 +3003,7 @@
     </p:spTree>
     <p:extLst>
       <p:ext uri="{BB962C8B-B14F-4D97-AF65-F5344CB8AC3E}">
-        <p14:creationId xmlns:p14="http://schemas.microsoft.com/office/powerpoint/2010/main" val="2665239068"/>
+        <p14:creationId xmlns:p14="http://schemas.microsoft.com/office/powerpoint/2010/main" val="1432901074"/>
       </p:ext>
     </p:extLst>
   </p:cSld>
@@ -3323,7 +3323,7 @@
       </p:grpSpPr>
       <p:pic>
         <p:nvPicPr>
-          <p:cNvPr id="1221634" name="Picture 2" descr="1192"/>
+          <p:cNvPr id="1222658" name="Picture 2" descr="1193"/>
           <p:cNvPicPr>
             <a:picLocks noChangeAspect="1" noChangeArrowheads="1"/>
           </p:cNvPicPr>
@@ -3375,158 +3375,11 @@
           </a:extLst>
         </p:spPr>
       </p:pic>
-      <p:pic>
-        <p:nvPicPr>
-          <p:cNvPr id="1222659" name="Picture 3" descr="1192-2"/>
-          <p:cNvPicPr>
-            <a:picLocks noChangeAspect="1" noChangeArrowheads="1"/>
-          </p:cNvPicPr>
-          <p:nvPr/>
-        </p:nvPicPr>
-        <p:blipFill>
-          <a:blip r:embed="rId3">
-            <a:extLst>
-              <a:ext uri="{28A0092B-C50C-407E-A947-70E740481C1C}">
-                <a14:useLocalDpi xmlns:a14="http://schemas.microsoft.com/office/drawing/2010/main" val="0"/>
-              </a:ext>
-            </a:extLst>
-          </a:blip>
-          <a:srcRect/>
-          <a:stretch>
-            <a:fillRect/>
-          </a:stretch>
-        </p:blipFill>
-        <p:spPr bwMode="auto">
-          <a:xfrm>
-            <a:off x="1524000" y="0"/>
-            <a:ext cx="9144000" cy="6858000"/>
-          </a:xfrm>
-          <a:prstGeom prst="rect">
-            <a:avLst/>
-          </a:prstGeom>
-          <a:noFill/>
-          <a:ln>
-            <a:noFill/>
-          </a:ln>
-          <a:effectLst/>
-          <a:extLst>
-            <a:ext uri="{909E8E84-426E-40DD-AFC4-6F175D3DCCD1}">
-              <a14:hiddenFill xmlns:a14="http://schemas.microsoft.com/office/drawing/2010/main">
-                <a:solidFill>
-                  <a:srgbClr val="FFFFFF"/>
-                </a:solidFill>
-              </a14:hiddenFill>
-            </a:ext>
-            <a:ext uri="{91240B29-F687-4F45-9708-019B960494DF}">
-              <a14:hiddenLine xmlns:a14="http://schemas.microsoft.com/office/drawing/2010/main" w="9525">
-                <a:solidFill>
-                  <a:srgbClr val="000000"/>
-                </a:solidFill>
-                <a:miter lim="800000"/>
-                <a:headEnd/>
-                <a:tailEnd/>
-              </a14:hiddenLine>
-            </a:ext>
-            <a:ext uri="{AF507438-7753-43E0-B8FC-AC1667EBCBE1}">
-              <a14:hiddenEffects xmlns:a14="http://schemas.microsoft.com/office/drawing/2010/main">
-                <a:effectLst>
-                  <a:outerShdw dist="35921" dir="2700000" algn="ctr" rotWithShape="0">
-                    <a:srgbClr val="808080"/>
-                  </a:outerShdw>
-                </a:effectLst>
-              </a14:hiddenEffects>
-            </a:ext>
-          </a:extLst>
-        </p:spPr>
-      </p:pic>
     </p:spTree>
   </p:cSld>
   <p:clrMapOvr>
     <a:masterClrMapping/>
   </p:clrMapOvr>
-  <p:timing>
-    <p:tnLst>
-      <p:par>
-        <p:cTn id="1" dur="indefinite" restart="never" nodeType="tmRoot">
-          <p:childTnLst>
-            <p:seq concurrent="1" nextAc="seek">
-              <p:cTn id="2" dur="indefinite" nodeType="mainSeq">
-                <p:childTnLst>
-                  <p:par>
-                    <p:cTn id="3" fill="hold" nodeType="clickPar">
-                      <p:stCondLst>
-                        <p:cond delay="indefinite"/>
-                      </p:stCondLst>
-                      <p:childTnLst>
-                        <p:par>
-                          <p:cTn id="4" fill="hold" nodeType="withGroup">
-                            <p:stCondLst>
-                              <p:cond delay="0"/>
-                            </p:stCondLst>
-                            <p:childTnLst>
-                              <p:par>
-                                <p:cTn id="5" presetID="10" presetClass="entr" presetSubtype="0" fill="hold" nodeType="clickEffect">
-                                  <p:stCondLst>
-                                    <p:cond delay="0"/>
-                                  </p:stCondLst>
-                                  <p:childTnLst>
-                                    <p:set>
-                                      <p:cBhvr>
-                                        <p:cTn id="6" dur="1" fill="hold">
-                                          <p:stCondLst>
-                                            <p:cond delay="0"/>
-                                          </p:stCondLst>
-                                        </p:cTn>
-                                        <p:tgtEl>
-                                          <p:spTgt spid="1222659"/>
-                                        </p:tgtEl>
-                                        <p:attrNameLst>
-                                          <p:attrName>style.visibility</p:attrName>
-                                        </p:attrNameLst>
-                                      </p:cBhvr>
-                                      <p:to>
-                                        <p:strVal val="visible"/>
-                                      </p:to>
-                                    </p:set>
-                                    <p:animEffect transition="in" filter="fade">
-                                      <p:cBhvr>
-                                        <p:cTn id="7" dur="500"/>
-                                        <p:tgtEl>
-                                          <p:spTgt spid="1222659"/>
-                                        </p:tgtEl>
-                                      </p:cBhvr>
-                                    </p:animEffect>
-                                  </p:childTnLst>
-                                </p:cTn>
-                              </p:par>
-                            </p:childTnLst>
-                          </p:cTn>
-                        </p:par>
-                      </p:childTnLst>
-                    </p:cTn>
-                  </p:par>
-                </p:childTnLst>
-              </p:cTn>
-              <p:prevCondLst>
-                <p:cond evt="onPrev" delay="0">
-                  <p:tgtEl>
-                    <p:sldTgt/>
-                  </p:tgtEl>
-                </p:cond>
-              </p:prevCondLst>
-              <p:nextCondLst>
-                <p:cond evt="onNext" delay="0">
-                  <p:tgtEl>
-                    <p:sldTgt/>
-                  </p:tgtEl>
-                </p:cond>
-              </p:nextCondLst>
-            </p:seq>
-          </p:childTnLst>
-        </p:cTn>
-      </p:par>
-    </p:tnLst>
-  </p:timing>
 </p:sld>
 </file>
 
